--- a/Documents/Fraud Scenarios.pptx
+++ b/Documents/Fraud Scenarios.pptx
@@ -138,6 +138,10 @@
 </p:cmAuthorLst>
 </file>
 
+<file path=ppt/revisionInfo.xml><?xml version="1.0" encoding="utf-8"?>
+<p1510:revInfo xmlns:a="http://schemas.openxmlformats.org/drawingml/2006/main" xmlns:r="http://schemas.openxmlformats.org/officeDocument/2006/relationships" xmlns:p1510="http://schemas.microsoft.com/office/powerpoint/2015/10/main"/>
+</file>
+
 <file path=ppt/comments/comment1.xml><?xml version="1.0" encoding="utf-8"?>
 <p:cmLst xmlns:a="http://schemas.openxmlformats.org/drawingml/2006/main" xmlns:r="http://schemas.openxmlformats.org/officeDocument/2006/relationships" xmlns:p="http://schemas.openxmlformats.org/presentationml/2006/main">
   <p:cm authorId="1" dt="2018-09-27T18:35:46.719" idx="1">
@@ -355,7 +359,7 @@
             <a:fld id="{B61BEF0D-F0BB-DE4B-95CE-6DB70DBA9567}" type="datetimeFigureOut">
               <a:rPr lang="en-US" dirty="0"/>
               <a:pPr/>
-              <a:t>10/1/2018</a:t>
+              <a:t>10/3/2018</a:t>
             </a:fld>
             <a:endParaRPr lang="en-US" dirty="0"/>
           </a:p>
@@ -690,7 +694,7 @@
             <a:fld id="{B61BEF0D-F0BB-DE4B-95CE-6DB70DBA9567}" type="datetimeFigureOut">
               <a:rPr lang="en-US" dirty="0"/>
               <a:pPr/>
-              <a:t>10/1/2018</a:t>
+              <a:t>10/3/2018</a:t>
             </a:fld>
             <a:endParaRPr lang="en-US" dirty="0"/>
           </a:p>
@@ -1088,7 +1092,7 @@
             <a:fld id="{B61BEF0D-F0BB-DE4B-95CE-6DB70DBA9567}" type="datetimeFigureOut">
               <a:rPr lang="en-US" dirty="0"/>
               <a:pPr/>
-              <a:t>10/1/2018</a:t>
+              <a:t>10/3/2018</a:t>
             </a:fld>
             <a:endParaRPr lang="en-US" dirty="0"/>
           </a:p>
@@ -1421,7 +1425,7 @@
             <a:fld id="{B61BEF0D-F0BB-DE4B-95CE-6DB70DBA9567}" type="datetimeFigureOut">
               <a:rPr lang="en-US" dirty="0"/>
               <a:pPr/>
-              <a:t>10/1/2018</a:t>
+              <a:t>10/3/2018</a:t>
             </a:fld>
             <a:endParaRPr lang="en-US" dirty="0"/>
           </a:p>
@@ -1738,7 +1742,7 @@
             <a:fld id="{B61BEF0D-F0BB-DE4B-95CE-6DB70DBA9567}" type="datetimeFigureOut">
               <a:rPr lang="en-US" dirty="0"/>
               <a:pPr/>
-              <a:t>10/1/2018</a:t>
+              <a:t>10/3/2018</a:t>
             </a:fld>
             <a:endParaRPr lang="en-US" dirty="0"/>
           </a:p>
@@ -2131,7 +2135,7 @@
             <a:fld id="{B61BEF0D-F0BB-DE4B-95CE-6DB70DBA9567}" type="datetimeFigureOut">
               <a:rPr lang="en-US" dirty="0"/>
               <a:pPr/>
-              <a:t>10/1/2018</a:t>
+              <a:t>10/3/2018</a:t>
             </a:fld>
             <a:endParaRPr lang="en-US" dirty="0"/>
           </a:p>
@@ -2385,7 +2389,7 @@
             <a:fld id="{B61BEF0D-F0BB-DE4B-95CE-6DB70DBA9567}" type="datetimeFigureOut">
               <a:rPr lang="en-US" dirty="0"/>
               <a:pPr/>
-              <a:t>10/1/2018</a:t>
+              <a:t>10/3/2018</a:t>
             </a:fld>
             <a:endParaRPr lang="en-US" dirty="0"/>
           </a:p>
@@ -2644,7 +2648,7 @@
             <a:fld id="{B61BEF0D-F0BB-DE4B-95CE-6DB70DBA9567}" type="datetimeFigureOut">
               <a:rPr lang="en-US" dirty="0"/>
               <a:pPr/>
-              <a:t>10/1/2018</a:t>
+              <a:t>10/3/2018</a:t>
             </a:fld>
             <a:endParaRPr lang="en-US" dirty="0"/>
           </a:p>
@@ -2903,7 +2907,7 @@
             <a:fld id="{B61BEF0D-F0BB-DE4B-95CE-6DB70DBA9567}" type="datetimeFigureOut">
               <a:rPr lang="en-US" dirty="0"/>
               <a:pPr/>
-              <a:t>10/1/2018</a:t>
+              <a:t>10/3/2018</a:t>
             </a:fld>
             <a:endParaRPr lang="en-US" dirty="0"/>
           </a:p>
@@ -3229,7 +3233,7 @@
             <a:fld id="{B61BEF0D-F0BB-DE4B-95CE-6DB70DBA9567}" type="datetimeFigureOut">
               <a:rPr lang="en-US" dirty="0"/>
               <a:pPr/>
-              <a:t>10/1/2018</a:t>
+              <a:t>10/3/2018</a:t>
             </a:fld>
             <a:endParaRPr lang="en-US" dirty="0"/>
           </a:p>
@@ -3549,7 +3553,7 @@
             <a:fld id="{B61BEF0D-F0BB-DE4B-95CE-6DB70DBA9567}" type="datetimeFigureOut">
               <a:rPr lang="en-US" dirty="0"/>
               <a:pPr/>
-              <a:t>10/1/2018</a:t>
+              <a:t>10/3/2018</a:t>
             </a:fld>
             <a:endParaRPr lang="en-US" dirty="0"/>
           </a:p>
@@ -4003,7 +4007,7 @@
             <a:fld id="{B61BEF0D-F0BB-DE4B-95CE-6DB70DBA9567}" type="datetimeFigureOut">
               <a:rPr lang="en-US" dirty="0"/>
               <a:pPr/>
-              <a:t>10/1/2018</a:t>
+              <a:t>10/3/2018</a:t>
             </a:fld>
             <a:endParaRPr lang="en-US" dirty="0"/>
           </a:p>
@@ -4205,7 +4209,7 @@
             <a:fld id="{B61BEF0D-F0BB-DE4B-95CE-6DB70DBA9567}" type="datetimeFigureOut">
               <a:rPr lang="en-US" dirty="0"/>
               <a:pPr/>
-              <a:t>10/1/2018</a:t>
+              <a:t>10/3/2018</a:t>
             </a:fld>
             <a:endParaRPr lang="en-US" dirty="0"/>
           </a:p>
@@ -4379,7 +4383,7 @@
             <a:fld id="{B61BEF0D-F0BB-DE4B-95CE-6DB70DBA9567}" type="datetimeFigureOut">
               <a:rPr lang="en-US" dirty="0"/>
               <a:pPr/>
-              <a:t>10/1/2018</a:t>
+              <a:t>10/3/2018</a:t>
             </a:fld>
             <a:endParaRPr lang="en-US" dirty="0"/>
           </a:p>
@@ -4709,7 +4713,7 @@
             <a:fld id="{B61BEF0D-F0BB-DE4B-95CE-6DB70DBA9567}" type="datetimeFigureOut">
               <a:rPr lang="en-US" dirty="0"/>
               <a:pPr/>
-              <a:t>10/1/2018</a:t>
+              <a:t>10/3/2018</a:t>
             </a:fld>
             <a:endParaRPr lang="en-US" dirty="0"/>
           </a:p>
@@ -5051,7 +5055,7 @@
             <a:fld id="{B61BEF0D-F0BB-DE4B-95CE-6DB70DBA9567}" type="datetimeFigureOut">
               <a:rPr lang="en-US" dirty="0"/>
               <a:pPr/>
-              <a:t>10/1/2018</a:t>
+              <a:t>10/3/2018</a:t>
             </a:fld>
             <a:endParaRPr lang="en-US" dirty="0"/>
           </a:p>
@@ -7165,7 +7169,7 @@
             <a:fld id="{B61BEF0D-F0BB-DE4B-95CE-6DB70DBA9567}" type="datetimeFigureOut">
               <a:rPr lang="en-US" dirty="0"/>
               <a:pPr/>
-              <a:t>10/1/2018</a:t>
+              <a:t>10/3/2018</a:t>
             </a:fld>
             <a:endParaRPr lang="en-US" dirty="0"/>
           </a:p>
@@ -9612,7 +9616,7 @@
           <a:p>
             <a:r>
               <a:rPr lang="en-US" dirty="0"/>
-              <a:t>Example : Rook leakage problem and claiming for theft or fire</a:t>
+              <a:t>Example : Roof leakage problem and claiming for theft or fire</a:t>
             </a:r>
           </a:p>
           <a:p>
